--- a/1_Semester/MiniProject/documentation/presentation/mca-I-miniproject-presentation.pptx
+++ b/1_Semester/MiniProject/documentation/presentation/mca-I-miniproject-presentation.pptx
@@ -113,6 +113,11 @@
       </a:defRPr>
     </a:lvl9pPr>
   </p:defaultTextStyle>
+  <p:extLst>
+    <p:ext uri="{EFAFB233-063F-42B5-8137-9DF3F51BA10A}">
+      <p15:sldGuideLst xmlns:p15="http://schemas.microsoft.com/office/powerpoint/2012/main"/>
+    </p:ext>
+  </p:extLst>
 </p:presentation>
 </file>
 
@@ -6145,7 +6150,7 @@
           </a:effectLst>
           <a:scene3d>
             <a:camera prst="perspectiveContrastingLeftFacing">
-              <a:rot lat="623785" lon="1800000" rev="21386789"/>
+              <a:rot lat="623785" lon="1800000" rev="21593999"/>
             </a:camera>
             <a:lightRig rig="threePt" dir="t"/>
           </a:scene3d>
@@ -6479,7 +6484,7 @@
           </a:stretch>
         </p:blipFill>
         <p:spPr>
-          <a:xfrm rot="21295920">
+          <a:xfrm>
             <a:off x="96456" y="1056959"/>
             <a:ext cx="8287473" cy="4744082"/>
           </a:xfrm>
@@ -6793,15 +6798,22 @@
         </p:blipFill>
         <p:spPr>
           <a:xfrm>
-            <a:off x="219958" y="1458409"/>
-            <a:ext cx="8051182" cy="4178461"/>
+            <a:off x="1281362" y="1458409"/>
+            <a:ext cx="7299457" cy="4178461"/>
           </a:xfrm>
           <a:prstGeom prst="rect">
             <a:avLst/>
           </a:prstGeom>
+          <a:effectLst>
+            <a:outerShdw blurRad="50800" dist="38100" algn="l" rotWithShape="0">
+              <a:prstClr val="black">
+                <a:alpha val="40000"/>
+              </a:prstClr>
+            </a:outerShdw>
+          </a:effectLst>
           <a:scene3d>
-            <a:camera prst="perspectiveContrastingRightFacing">
-              <a:rot lat="623785" lon="18963666" rev="0"/>
+            <a:camera prst="perspectiveHeroicExtremeRightFacing">
+              <a:rot lat="0" lon="19532356" rev="0"/>
             </a:camera>
             <a:lightRig rig="threePt" dir="t"/>
           </a:scene3d>
@@ -6821,7 +6833,7 @@
         </p:nvSpPr>
         <p:spPr>
           <a:xfrm>
-            <a:off x="3308314" y="558225"/>
+            <a:off x="3308314" y="0"/>
             <a:ext cx="5575373" cy="584775"/>
           </a:xfrm>
           <a:prstGeom prst="rect">
@@ -6858,7 +6870,7 @@
         </p:nvSpPr>
         <p:spPr>
           <a:xfrm>
-            <a:off x="6996896" y="1458409"/>
+            <a:off x="7424248" y="1824335"/>
             <a:ext cx="4671296" cy="923330"/>
           </a:xfrm>
           <a:prstGeom prst="rect">
@@ -7151,7 +7163,9 @@
             </a:outerShdw>
           </a:effectLst>
           <a:scene3d>
-            <a:camera prst="perspectiveLeft"/>
+            <a:camera prst="perspectiveLeft">
+              <a:rot lat="0" lon="2400000" rev="0"/>
+            </a:camera>
             <a:lightRig rig="threePt" dir="t"/>
           </a:scene3d>
         </p:spPr>
@@ -7607,7 +7621,7 @@
           </a:effectLst>
           <a:scene3d>
             <a:camera prst="perspectiveContrastingRightFacing">
-              <a:rot lat="0" lon="18963666" rev="213211"/>
+              <a:rot lat="0" lon="18963666" rev="0"/>
             </a:camera>
             <a:lightRig rig="threePt" dir="t"/>
           </a:scene3d>
